--- a/PPT/Email Tracking System.pptx
+++ b/PPT/Email Tracking System.pptx
@@ -110,6 +110,11 @@
       </a:defRPr>
     </a:lvl9pPr>
   </p:defaultTextStyle>
+  <p:extLst>
+    <p:ext uri="{EFAFB233-063F-42B5-8137-9DF3F51BA10A}">
+      <p15:sldGuideLst xmlns:p15="http://schemas.microsoft.com/office/powerpoint/2012/main"/>
+    </p:ext>
+  </p:extLst>
 </p:presentation>
 </file>
 
@@ -244,7 +249,7 @@
           <a:p>
             <a:fld id="{64FE5D88-31BA-44B8-A514-838501A2C6C5}" type="datetimeFigureOut">
               <a:rPr lang="en-US" smtClean="0"/>
-              <a:t>4/19/2015</a:t>
+              <a:t>19-Apr-15</a:t>
             </a:fld>
             <a:endParaRPr lang="en-US"/>
           </a:p>
@@ -414,7 +419,7 @@
           <a:p>
             <a:fld id="{64FE5D88-31BA-44B8-A514-838501A2C6C5}" type="datetimeFigureOut">
               <a:rPr lang="en-US" smtClean="0"/>
-              <a:t>4/19/2015</a:t>
+              <a:t>19-Apr-15</a:t>
             </a:fld>
             <a:endParaRPr lang="en-US"/>
           </a:p>
@@ -594,7 +599,7 @@
           <a:p>
             <a:fld id="{64FE5D88-31BA-44B8-A514-838501A2C6C5}" type="datetimeFigureOut">
               <a:rPr lang="en-US" smtClean="0"/>
-              <a:t>4/19/2015</a:t>
+              <a:t>19-Apr-15</a:t>
             </a:fld>
             <a:endParaRPr lang="en-US"/>
           </a:p>
@@ -764,7 +769,7 @@
           <a:p>
             <a:fld id="{64FE5D88-31BA-44B8-A514-838501A2C6C5}" type="datetimeFigureOut">
               <a:rPr lang="en-US" smtClean="0"/>
-              <a:t>4/19/2015</a:t>
+              <a:t>19-Apr-15</a:t>
             </a:fld>
             <a:endParaRPr lang="en-US"/>
           </a:p>
@@ -1010,7 +1015,7 @@
           <a:p>
             <a:fld id="{64FE5D88-31BA-44B8-A514-838501A2C6C5}" type="datetimeFigureOut">
               <a:rPr lang="en-US" smtClean="0"/>
-              <a:t>4/19/2015</a:t>
+              <a:t>19-Apr-15</a:t>
             </a:fld>
             <a:endParaRPr lang="en-US"/>
           </a:p>
@@ -1242,7 +1247,7 @@
           <a:p>
             <a:fld id="{64FE5D88-31BA-44B8-A514-838501A2C6C5}" type="datetimeFigureOut">
               <a:rPr lang="en-US" smtClean="0"/>
-              <a:t>4/19/2015</a:t>
+              <a:t>19-Apr-15</a:t>
             </a:fld>
             <a:endParaRPr lang="en-US"/>
           </a:p>
@@ -1609,7 +1614,7 @@
           <a:p>
             <a:fld id="{64FE5D88-31BA-44B8-A514-838501A2C6C5}" type="datetimeFigureOut">
               <a:rPr lang="en-US" smtClean="0"/>
-              <a:t>4/19/2015</a:t>
+              <a:t>19-Apr-15</a:t>
             </a:fld>
             <a:endParaRPr lang="en-US"/>
           </a:p>
@@ -1727,7 +1732,7 @@
           <a:p>
             <a:fld id="{64FE5D88-31BA-44B8-A514-838501A2C6C5}" type="datetimeFigureOut">
               <a:rPr lang="en-US" smtClean="0"/>
-              <a:t>4/19/2015</a:t>
+              <a:t>19-Apr-15</a:t>
             </a:fld>
             <a:endParaRPr lang="en-US"/>
           </a:p>
@@ -1822,7 +1827,7 @@
           <a:p>
             <a:fld id="{64FE5D88-31BA-44B8-A514-838501A2C6C5}" type="datetimeFigureOut">
               <a:rPr lang="en-US" smtClean="0"/>
-              <a:t>4/19/2015</a:t>
+              <a:t>19-Apr-15</a:t>
             </a:fld>
             <a:endParaRPr lang="en-US"/>
           </a:p>
@@ -2099,7 +2104,7 @@
           <a:p>
             <a:fld id="{64FE5D88-31BA-44B8-A514-838501A2C6C5}" type="datetimeFigureOut">
               <a:rPr lang="en-US" smtClean="0"/>
-              <a:t>4/19/2015</a:t>
+              <a:t>19-Apr-15</a:t>
             </a:fld>
             <a:endParaRPr lang="en-US"/>
           </a:p>
@@ -2352,7 +2357,7 @@
           <a:p>
             <a:fld id="{64FE5D88-31BA-44B8-A514-838501A2C6C5}" type="datetimeFigureOut">
               <a:rPr lang="en-US" smtClean="0"/>
-              <a:t>4/19/2015</a:t>
+              <a:t>19-Apr-15</a:t>
             </a:fld>
             <a:endParaRPr lang="en-US"/>
           </a:p>
@@ -2565,7 +2570,7 @@
           <a:p>
             <a:fld id="{64FE5D88-31BA-44B8-A514-838501A2C6C5}" type="datetimeFigureOut">
               <a:rPr lang="en-US" smtClean="0"/>
-              <a:t>4/19/2015</a:t>
+              <a:t>19-Apr-15</a:t>
             </a:fld>
             <a:endParaRPr lang="en-US"/>
           </a:p>
@@ -3059,6 +3064,13 @@
   <p:clrMapOvr>
     <a:masterClrMapping/>
   </p:clrMapOvr>
+  <p:timing>
+    <p:tnLst>
+      <p:par>
+        <p:cTn id="1" dur="indefinite" restart="never" nodeType="tmRoot"/>
+      </p:par>
+    </p:tnLst>
+  </p:timing>
 </p:sld>
 </file>
 
@@ -3191,6 +3203,13 @@
   <p:clrMapOvr>
     <a:masterClrMapping/>
   </p:clrMapOvr>
+  <p:timing>
+    <p:tnLst>
+      <p:par>
+        <p:cTn id="1" dur="indefinite" restart="never" nodeType="tmRoot"/>
+      </p:par>
+    </p:tnLst>
+  </p:timing>
 </p:sld>
 </file>
 
@@ -3276,7 +3295,6 @@
               <a:rPr lang="en-US" dirty="0" smtClean="0"/>
               <a:t>Detection of user device</a:t>
             </a:r>
-            <a:endParaRPr lang="en-US" dirty="0" smtClean="0"/>
           </a:p>
           <a:p>
             <a:pPr lvl="1"/>
@@ -3321,6 +3339,13 @@
   <p:clrMapOvr>
     <a:masterClrMapping/>
   </p:clrMapOvr>
+  <p:timing>
+    <p:tnLst>
+      <p:par>
+        <p:cTn id="1" dur="indefinite" restart="never" nodeType="tmRoot"/>
+      </p:par>
+    </p:tnLst>
+  </p:timing>
 </p:sld>
 </file>
 
@@ -3366,7 +3391,7 @@
       </p:sp>
       <p:pic>
         <p:nvPicPr>
-          <p:cNvPr id="7" name="Content Placeholder 6"/>
+          <p:cNvPr id="4" name="Content Placeholder 3"/>
           <p:cNvPicPr>
             <a:picLocks noGrp="1" noChangeAspect="1"/>
           </p:cNvPicPr>
@@ -3388,9 +3413,14 @@
         </p:blipFill>
         <p:spPr>
           <a:xfrm>
-            <a:off x="1419168" y="1825625"/>
-            <a:ext cx="9353664" cy="4351338"/>
+            <a:off x="1118277" y="1825625"/>
+            <a:ext cx="9955446" cy="4351338"/>
           </a:xfrm>
+          <a:ln>
+            <a:solidFill>
+              <a:schemeClr val="tx1"/>
+            </a:solidFill>
+          </a:ln>
         </p:spPr>
       </p:pic>
     </p:spTree>
@@ -3403,6 +3433,13 @@
   <p:clrMapOvr>
     <a:masterClrMapping/>
   </p:clrMapOvr>
+  <p:timing>
+    <p:tnLst>
+      <p:par>
+        <p:cTn id="1" dur="indefinite" restart="never" nodeType="tmRoot"/>
+      </p:par>
+    </p:tnLst>
+  </p:timing>
 </p:sld>
 </file>
 
@@ -3473,6 +3510,11 @@
             <a:off x="1447980" y="1825625"/>
             <a:ext cx="9296040" cy="4351338"/>
           </a:xfrm>
+          <a:ln>
+            <a:solidFill>
+              <a:schemeClr val="tx1"/>
+            </a:solidFill>
+          </a:ln>
         </p:spPr>
       </p:pic>
     </p:spTree>
@@ -3485,6 +3527,13 @@
   <p:clrMapOvr>
     <a:masterClrMapping/>
   </p:clrMapOvr>
+  <p:timing>
+    <p:tnLst>
+      <p:par>
+        <p:cTn id="1" dur="indefinite" restart="never" nodeType="tmRoot"/>
+      </p:par>
+    </p:tnLst>
+  </p:timing>
 </p:sld>
 </file>
 
@@ -3552,9 +3601,14 @@
         </p:blipFill>
         <p:spPr>
           <a:xfrm>
-            <a:off x="1343698" y="1825625"/>
+            <a:off x="1343698" y="1690688"/>
             <a:ext cx="9504604" cy="4351338"/>
           </a:xfrm>
+          <a:ln>
+            <a:solidFill>
+              <a:schemeClr val="tx1"/>
+            </a:solidFill>
+          </a:ln>
         </p:spPr>
       </p:pic>
     </p:spTree>
@@ -3567,6 +3621,13 @@
   <p:clrMapOvr>
     <a:masterClrMapping/>
   </p:clrMapOvr>
+  <p:timing>
+    <p:tnLst>
+      <p:par>
+        <p:cTn id="1" dur="indefinite" restart="never" nodeType="tmRoot"/>
+      </p:par>
+    </p:tnLst>
+  </p:timing>
 </p:sld>
 </file>
 
@@ -3609,7 +3670,6 @@
               <a:rPr lang="en-US" sz="3600" dirty="0" smtClean="0"/>
               <a:t>Top interested users.</a:t>
             </a:r>
-            <a:endParaRPr lang="en-US" sz="3600" dirty="0" smtClean="0"/>
           </a:p>
         </p:txBody>
       </p:sp>
@@ -3640,6 +3700,11 @@
             <a:off x="1443152" y="1825625"/>
             <a:ext cx="9305696" cy="4351338"/>
           </a:xfrm>
+          <a:ln>
+            <a:solidFill>
+              <a:schemeClr val="tx1"/>
+            </a:solidFill>
+          </a:ln>
         </p:spPr>
       </p:pic>
     </p:spTree>
@@ -3652,6 +3717,13 @@
   <p:clrMapOvr>
     <a:masterClrMapping/>
   </p:clrMapOvr>
+  <p:timing>
+    <p:tnLst>
+      <p:par>
+        <p:cTn id="1" dur="indefinite" restart="never" nodeType="tmRoot"/>
+      </p:par>
+    </p:tnLst>
+  </p:timing>
 </p:sld>
 </file>
 

--- a/PPT/Email Tracking System.pptx
+++ b/PPT/Email Tracking System.pptx
@@ -12,6 +12,7 @@
     <p:sldId id="260" r:id="rId6"/>
     <p:sldId id="261" r:id="rId7"/>
     <p:sldId id="262" r:id="rId8"/>
+    <p:sldId id="263" r:id="rId9"/>
   </p:sldIdLst>
   <p:sldSz cx="12192000" cy="6858000"/>
   <p:notesSz cx="6858000" cy="9144000"/>
@@ -249,7 +250,7 @@
           <a:p>
             <a:fld id="{64FE5D88-31BA-44B8-A514-838501A2C6C5}" type="datetimeFigureOut">
               <a:rPr lang="en-US" smtClean="0"/>
-              <a:t>19-Apr-15</a:t>
+              <a:t>4/19/2015</a:t>
             </a:fld>
             <a:endParaRPr lang="en-US"/>
           </a:p>
@@ -419,7 +420,7 @@
           <a:p>
             <a:fld id="{64FE5D88-31BA-44B8-A514-838501A2C6C5}" type="datetimeFigureOut">
               <a:rPr lang="en-US" smtClean="0"/>
-              <a:t>19-Apr-15</a:t>
+              <a:t>4/19/2015</a:t>
             </a:fld>
             <a:endParaRPr lang="en-US"/>
           </a:p>
@@ -599,7 +600,7 @@
           <a:p>
             <a:fld id="{64FE5D88-31BA-44B8-A514-838501A2C6C5}" type="datetimeFigureOut">
               <a:rPr lang="en-US" smtClean="0"/>
-              <a:t>19-Apr-15</a:t>
+              <a:t>4/19/2015</a:t>
             </a:fld>
             <a:endParaRPr lang="en-US"/>
           </a:p>
@@ -769,7 +770,7 @@
           <a:p>
             <a:fld id="{64FE5D88-31BA-44B8-A514-838501A2C6C5}" type="datetimeFigureOut">
               <a:rPr lang="en-US" smtClean="0"/>
-              <a:t>19-Apr-15</a:t>
+              <a:t>4/19/2015</a:t>
             </a:fld>
             <a:endParaRPr lang="en-US"/>
           </a:p>
@@ -1015,7 +1016,7 @@
           <a:p>
             <a:fld id="{64FE5D88-31BA-44B8-A514-838501A2C6C5}" type="datetimeFigureOut">
               <a:rPr lang="en-US" smtClean="0"/>
-              <a:t>19-Apr-15</a:t>
+              <a:t>4/19/2015</a:t>
             </a:fld>
             <a:endParaRPr lang="en-US"/>
           </a:p>
@@ -1247,7 +1248,7 @@
           <a:p>
             <a:fld id="{64FE5D88-31BA-44B8-A514-838501A2C6C5}" type="datetimeFigureOut">
               <a:rPr lang="en-US" smtClean="0"/>
-              <a:t>19-Apr-15</a:t>
+              <a:t>4/19/2015</a:t>
             </a:fld>
             <a:endParaRPr lang="en-US"/>
           </a:p>
@@ -1614,7 +1615,7 @@
           <a:p>
             <a:fld id="{64FE5D88-31BA-44B8-A514-838501A2C6C5}" type="datetimeFigureOut">
               <a:rPr lang="en-US" smtClean="0"/>
-              <a:t>19-Apr-15</a:t>
+              <a:t>4/19/2015</a:t>
             </a:fld>
             <a:endParaRPr lang="en-US"/>
           </a:p>
@@ -1732,7 +1733,7 @@
           <a:p>
             <a:fld id="{64FE5D88-31BA-44B8-A514-838501A2C6C5}" type="datetimeFigureOut">
               <a:rPr lang="en-US" smtClean="0"/>
-              <a:t>19-Apr-15</a:t>
+              <a:t>4/19/2015</a:t>
             </a:fld>
             <a:endParaRPr lang="en-US"/>
           </a:p>
@@ -1827,7 +1828,7 @@
           <a:p>
             <a:fld id="{64FE5D88-31BA-44B8-A514-838501A2C6C5}" type="datetimeFigureOut">
               <a:rPr lang="en-US" smtClean="0"/>
-              <a:t>19-Apr-15</a:t>
+              <a:t>4/19/2015</a:t>
             </a:fld>
             <a:endParaRPr lang="en-US"/>
           </a:p>
@@ -2104,7 +2105,7 @@
           <a:p>
             <a:fld id="{64FE5D88-31BA-44B8-A514-838501A2C6C5}" type="datetimeFigureOut">
               <a:rPr lang="en-US" smtClean="0"/>
-              <a:t>19-Apr-15</a:t>
+              <a:t>4/19/2015</a:t>
             </a:fld>
             <a:endParaRPr lang="en-US"/>
           </a:p>
@@ -2357,7 +2358,7 @@
           <a:p>
             <a:fld id="{64FE5D88-31BA-44B8-A514-838501A2C6C5}" type="datetimeFigureOut">
               <a:rPr lang="en-US" smtClean="0"/>
-              <a:t>19-Apr-15</a:t>
+              <a:t>4/19/2015</a:t>
             </a:fld>
             <a:endParaRPr lang="en-US"/>
           </a:p>
@@ -2570,7 +2571,7 @@
           <a:p>
             <a:fld id="{64FE5D88-31BA-44B8-A514-838501A2C6C5}" type="datetimeFigureOut">
               <a:rPr lang="en-US" smtClean="0"/>
-              <a:t>19-Apr-15</a:t>
+              <a:t>4/19/2015</a:t>
             </a:fld>
             <a:endParaRPr lang="en-US"/>
           </a:p>
@@ -3727,6 +3728,93 @@
 </p:sld>
 </file>
 
+<file path=ppt/slides/slide8.xml><?xml version="1.0" encoding="utf-8"?>
+<p:sld xmlns:a="http://schemas.openxmlformats.org/drawingml/2006/main" xmlns:r="http://schemas.openxmlformats.org/officeDocument/2006/relationships" xmlns:p="http://schemas.openxmlformats.org/presentationml/2006/main">
+  <p:cSld>
+    <p:spTree>
+      <p:nvGrpSpPr>
+        <p:cNvPr id="1" name=""/>
+        <p:cNvGrpSpPr/>
+        <p:nvPr/>
+      </p:nvGrpSpPr>
+      <p:grpSpPr>
+        <a:xfrm>
+          <a:off x="0" y="0"/>
+          <a:ext cx="0" cy="0"/>
+          <a:chOff x="0" y="0"/>
+          <a:chExt cx="0" cy="0"/>
+        </a:xfrm>
+      </p:grpSpPr>
+      <p:sp>
+        <p:nvSpPr>
+          <p:cNvPr id="2" name="Title 1"/>
+          <p:cNvSpPr>
+            <a:spLocks noGrp="1"/>
+          </p:cNvSpPr>
+          <p:nvPr>
+            <p:ph type="title"/>
+          </p:nvPr>
+        </p:nvSpPr>
+        <p:spPr/>
+        <p:txBody>
+          <a:bodyPr/>
+          <a:lstStyle/>
+          <a:p>
+            <a:r>
+              <a:rPr lang="en-US" dirty="0" smtClean="0"/>
+              <a:t>References:</a:t>
+            </a:r>
+            <a:endParaRPr lang="en-US" dirty="0"/>
+          </a:p>
+        </p:txBody>
+      </p:sp>
+      <p:sp>
+        <p:nvSpPr>
+          <p:cNvPr id="3" name="Content Placeholder 2"/>
+          <p:cNvSpPr>
+            <a:spLocks noGrp="1"/>
+          </p:cNvSpPr>
+          <p:nvPr>
+            <p:ph idx="1"/>
+          </p:nvPr>
+        </p:nvSpPr>
+        <p:spPr/>
+        <p:txBody>
+          <a:bodyPr/>
+          <a:lstStyle/>
+          <a:p>
+            <a:r>
+              <a:rPr lang="en-US" dirty="0">
+                <a:hlinkClick r:id="rId2"/>
+              </a:rPr>
+              <a:t>http://wurfl.sourceforge.net</a:t>
+            </a:r>
+            <a:r>
+              <a:rPr lang="en-US" dirty="0" smtClean="0">
+                <a:hlinkClick r:id="rId2"/>
+              </a:rPr>
+              <a:t>/</a:t>
+            </a:r>
+            <a:endParaRPr lang="en-US" dirty="0" smtClean="0"/>
+          </a:p>
+          <a:p>
+            <a:endParaRPr lang="en-US" dirty="0"/>
+          </a:p>
+        </p:txBody>
+      </p:sp>
+    </p:spTree>
+    <p:extLst>
+      <p:ext uri="{BB962C8B-B14F-4D97-AF65-F5344CB8AC3E}">
+        <p14:creationId xmlns:p14="http://schemas.microsoft.com/office/powerpoint/2010/main" val="2928664050"/>
+      </p:ext>
+    </p:extLst>
+  </p:cSld>
+  <p:clrMapOvr>
+    <a:masterClrMapping/>
+  </p:clrMapOvr>
+</p:sld>
+</file>
+
 <file path=ppt/theme/theme1.xml><?xml version="1.0" encoding="utf-8"?>
 <a:theme xmlns:a="http://schemas.openxmlformats.org/drawingml/2006/main" name="Office Theme">
   <a:themeElements>
